--- a/A_Semester/Diaxeirisi_Gnosis/Omadiko_Project/parousiasi/eregister_Parousiasi.pptx
+++ b/A_Semester/Diaxeirisi_Gnosis/Omadiko_Project/parousiasi/eregister_Parousiasi.pptx
@@ -128,6 +128,7 @@
 <file path=ppt/revisionInfo.xml><?xml version="1.0" encoding="utf-8"?>
 <p1510:revInfo xmlns:a="http://schemas.openxmlformats.org/drawingml/2006/main" xmlns:r="http://schemas.openxmlformats.org/officeDocument/2006/relationships" xmlns:p1510="http://schemas.microsoft.com/office/powerpoint/2015/10/main">
   <p1510:revLst>
+    <p1510:client id="{9DEC64FF-2967-4E14-B178-674874C8DA3C}" v="6" dt="2020-01-05T11:19:28.557"/>
     <p1510:client id="{F5A8D831-4F74-4CE5-BB09-84726D55F393}" v="6404" dt="2020-01-05T11:05:31.999"/>
   </p1510:revLst>
 </p1510:revInfo>
@@ -10839,10 +10840,10 @@
       </p:pic>
       <p:pic>
         <p:nvPicPr>
-          <p:cNvPr id="13" name="Εικόνα 14" descr="Εικόνα που περιέχει στιγμιότυπο οθόνης, μαύρο, ιδιοκτησία, μπλε&#10;&#10;Η περιγραφή δημιουργήθηκε με πολύ υψηλή αξιοπιστία">
+          <p:cNvPr id="4" name="Εικόνα 4" descr="Εικόνα που περιέχει μαύρο, οθόνη, κόκκινο, ιδιοκτησία&#10;&#10;Η περιγραφή δημιουργήθηκε με πολύ υψηλή αξιοπιστία">
             <a:extLst>
               <a:ext uri="{FF2B5EF4-FFF2-40B4-BE49-F238E27FC236}">
-                <a16:creationId xmlns:a16="http://schemas.microsoft.com/office/drawing/2014/main" id="{8DBB009D-4342-4FDC-AE79-C946B74BD04A}"/>
+                <a16:creationId xmlns:a16="http://schemas.microsoft.com/office/drawing/2014/main" id="{8BF10698-DE72-4006-8E6F-FA7719E1B0EA}"/>
               </a:ext>
             </a:extLst>
           </p:cNvPr>
@@ -10859,8 +10860,8 @@
         </p:blipFill>
         <p:spPr>
           <a:xfrm>
-            <a:off x="4240306" y="2537794"/>
-            <a:ext cx="3316941" cy="832153"/>
+            <a:off x="4251767" y="2320587"/>
+            <a:ext cx="3428035" cy="818219"/>
           </a:xfrm>
           <a:prstGeom prst="rect">
             <a:avLst/>

--- a/A_Semester/Diaxeirisi_Gnosis/Omadiko_Project/parousiasi/eregister_Parousiasi.pptx
+++ b/A_Semester/Diaxeirisi_Gnosis/Omadiko_Project/parousiasi/eregister_Parousiasi.pptx
@@ -19,6 +19,9 @@
     <p:sldId id="268" r:id="rId13"/>
     <p:sldId id="269" r:id="rId14"/>
     <p:sldId id="270" r:id="rId15"/>
+    <p:sldId id="271" r:id="rId16"/>
+    <p:sldId id="273" r:id="rId17"/>
+    <p:sldId id="272" r:id="rId18"/>
   </p:sldIdLst>
   <p:sldSz cx="12192000" cy="6858000"/>
   <p:notesSz cx="6858000" cy="9144000"/>
@@ -358,7 +361,7 @@
           <a:p>
             <a:fld id="{96DFF08F-DC6B-4601-B491-B0F83F6DD2DA}" type="datetimeFigureOut">
               <a:rPr lang="en-US" dirty="0"/>
-              <a:t>1/5/2020</a:t>
+              <a:t>18-Jan-20</a:t>
             </a:fld>
             <a:endParaRPr lang="en-US" dirty="0"/>
           </a:p>
@@ -564,7 +567,7 @@
           <a:p>
             <a:fld id="{96DFF08F-DC6B-4601-B491-B0F83F6DD2DA}" type="datetimeFigureOut">
               <a:rPr lang="en-US" dirty="0"/>
-              <a:t>1/5/2020</a:t>
+              <a:t>18-Jan-20</a:t>
             </a:fld>
             <a:endParaRPr lang="en-US" dirty="0"/>
           </a:p>
@@ -818,7 +821,7 @@
           <a:p>
             <a:fld id="{96DFF08F-DC6B-4601-B491-B0F83F6DD2DA}" type="datetimeFigureOut">
               <a:rPr lang="en-US" dirty="0"/>
-              <a:t>1/5/2020</a:t>
+              <a:t>18-Jan-20</a:t>
             </a:fld>
             <a:endParaRPr lang="en-US" dirty="0"/>
           </a:p>
@@ -986,7 +989,7 @@
           <a:p>
             <a:fld id="{D62CEF3B-A037-46D0-B02C-1428F07E9383}" type="datetimeFigureOut">
               <a:rPr lang="en-US" dirty="0"/>
-              <a:t>1/5/2020</a:t>
+              <a:t>18-Jan-20</a:t>
             </a:fld>
             <a:endParaRPr lang="en-US" dirty="0"/>
           </a:p>
@@ -1328,7 +1331,7 @@
           <a:p>
             <a:fld id="{96DFF08F-DC6B-4601-B491-B0F83F6DD2DA}" type="datetimeFigureOut">
               <a:rPr lang="en-US" dirty="0"/>
-              <a:t>1/5/2020</a:t>
+              <a:t>18-Jan-20</a:t>
             </a:fld>
             <a:endParaRPr lang="en-US" dirty="0"/>
           </a:p>
@@ -1600,7 +1603,7 @@
           <a:p>
             <a:fld id="{96DFF08F-DC6B-4601-B491-B0F83F6DD2DA}" type="datetimeFigureOut">
               <a:rPr lang="en-US" dirty="0"/>
-              <a:t>1/5/2020</a:t>
+              <a:t>18-Jan-20</a:t>
             </a:fld>
             <a:endParaRPr lang="en-US" dirty="0"/>
           </a:p>
@@ -1976,7 +1979,7 @@
           <a:p>
             <a:fld id="{96DFF08F-DC6B-4601-B491-B0F83F6DD2DA}" type="datetimeFigureOut">
               <a:rPr lang="en-US" dirty="0"/>
-              <a:t>1/5/2020</a:t>
+              <a:t>18-Jan-20</a:t>
             </a:fld>
             <a:endParaRPr lang="en-US" dirty="0"/>
           </a:p>
@@ -2093,7 +2096,7 @@
           <a:p>
             <a:fld id="{96DFF08F-DC6B-4601-B491-B0F83F6DD2DA}" type="datetimeFigureOut">
               <a:rPr lang="en-US" dirty="0"/>
-              <a:t>1/5/2020</a:t>
+              <a:t>18-Jan-20</a:t>
             </a:fld>
             <a:endParaRPr lang="en-US" dirty="0"/>
           </a:p>
@@ -2265,7 +2268,7 @@
             <a:fld id="{96DFF08F-DC6B-4601-B491-B0F83F6DD2DA}" type="datetimeFigureOut">
               <a:rPr lang="en-US" dirty="0"/>
               <a:pPr/>
-              <a:t>1/5/2020</a:t>
+              <a:t>18-Jan-20</a:t>
             </a:fld>
             <a:endParaRPr lang="en-US" dirty="0"/>
           </a:p>
@@ -2619,7 +2622,7 @@
             <a:fld id="{96DFF08F-DC6B-4601-B491-B0F83F6DD2DA}" type="datetimeFigureOut">
               <a:rPr lang="en-US" dirty="0"/>
               <a:pPr/>
-              <a:t>1/5/2020</a:t>
+              <a:t>18-Jan-20</a:t>
             </a:fld>
             <a:endParaRPr lang="en-US" dirty="0"/>
           </a:p>
@@ -2992,7 +2995,7 @@
           <a:p>
             <a:fld id="{96DFF08F-DC6B-4601-B491-B0F83F6DD2DA}" type="datetimeFigureOut">
               <a:rPr lang="en-US" dirty="0"/>
-              <a:t>1/5/2020</a:t>
+              <a:t>18-Jan-20</a:t>
             </a:fld>
             <a:endParaRPr lang="en-US" dirty="0"/>
           </a:p>
@@ -3278,7 +3281,7 @@
             <a:fld id="{96DFF08F-DC6B-4601-B491-B0F83F6DD2DA}" type="datetimeFigureOut">
               <a:rPr lang="en-US" dirty="0"/>
               <a:pPr/>
-              <a:t>1/5/2020</a:t>
+              <a:t>18-Jan-20</a:t>
             </a:fld>
             <a:endParaRPr lang="en-US" dirty="0"/>
           </a:p>
@@ -10881,6 +10884,594 @@
 </p:sld>
 </file>
 
+<file path=ppt/slides/slide15.xml><?xml version="1.0" encoding="utf-8"?>
+<p:sld xmlns:a="http://schemas.openxmlformats.org/drawingml/2006/main" xmlns:r="http://schemas.openxmlformats.org/officeDocument/2006/relationships" xmlns:p="http://schemas.openxmlformats.org/presentationml/2006/main">
+  <p:cSld>
+    <p:spTree>
+      <p:nvGrpSpPr>
+        <p:cNvPr id="1" name=""/>
+        <p:cNvGrpSpPr/>
+        <p:nvPr/>
+      </p:nvGrpSpPr>
+      <p:grpSpPr>
+        <a:xfrm>
+          <a:off x="0" y="0"/>
+          <a:ext cx="0" cy="0"/>
+          <a:chOff x="0" y="0"/>
+          <a:chExt cx="0" cy="0"/>
+        </a:xfrm>
+      </p:grpSpPr>
+      <p:sp>
+        <p:nvSpPr>
+          <p:cNvPr id="2" name="TextBox 1">
+            <a:extLst>
+              <a:ext uri="{FF2B5EF4-FFF2-40B4-BE49-F238E27FC236}">
+                <a16:creationId xmlns:a16="http://schemas.microsoft.com/office/drawing/2014/main" id="{4FA25044-CEA0-48CB-9D3C-F9C6E06135B8}"/>
+              </a:ext>
+            </a:extLst>
+          </p:cNvPr>
+          <p:cNvSpPr txBox="1"/>
+          <p:nvPr/>
+        </p:nvSpPr>
+        <p:spPr>
+          <a:xfrm>
+            <a:off x="1030941" y="107576"/>
+            <a:ext cx="10354235" cy="584775"/>
+          </a:xfrm>
+          <a:prstGeom prst="rect">
+            <a:avLst/>
+          </a:prstGeom>
+          <a:noFill/>
+        </p:spPr>
+        <p:txBody>
+          <a:bodyPr rot="0" spcFirstLastPara="0" vertOverflow="overflow" horzOverflow="overflow" vert="horz" wrap="square" lIns="91440" tIns="45720" rIns="91440" bIns="45720" numCol="1" spcCol="0" rtlCol="0" fromWordArt="0" anchor="t" anchorCtr="0" forceAA="0" compatLnSpc="1">
+            <a:prstTxWarp prst="textNoShape">
+              <a:avLst/>
+            </a:prstTxWarp>
+            <a:spAutoFit/>
+          </a:bodyPr>
+          <a:lstStyle/>
+          <a:p>
+            <a:r>
+              <a:rPr lang="el-GR" sz="3200" dirty="0">
+                <a:cs typeface="Calibri"/>
+              </a:rPr>
+              <a:t>Συμπεράσματα</a:t>
+            </a:r>
+          </a:p>
+        </p:txBody>
+      </p:sp>
+      <p:sp>
+        <p:nvSpPr>
+          <p:cNvPr id="3" name="TextBox 2">
+            <a:extLst>
+              <a:ext uri="{FF2B5EF4-FFF2-40B4-BE49-F238E27FC236}">
+                <a16:creationId xmlns:a16="http://schemas.microsoft.com/office/drawing/2014/main" id="{734C1442-5BAF-4D1E-B532-56C29A400EA8}"/>
+              </a:ext>
+            </a:extLst>
+          </p:cNvPr>
+          <p:cNvSpPr txBox="1"/>
+          <p:nvPr/>
+        </p:nvSpPr>
+        <p:spPr>
+          <a:xfrm>
+            <a:off x="1030941" y="1478779"/>
+            <a:ext cx="10416988" cy="5078313"/>
+          </a:xfrm>
+          <a:prstGeom prst="rect">
+            <a:avLst/>
+          </a:prstGeom>
+          <a:noFill/>
+        </p:spPr>
+        <p:txBody>
+          <a:bodyPr rot="0" spcFirstLastPara="0" vertOverflow="overflow" horzOverflow="overflow" vert="horz" wrap="square" lIns="91440" tIns="45720" rIns="91440" bIns="45720" numCol="1" spcCol="0" rtlCol="0" fromWordArt="0" anchor="t" anchorCtr="0" forceAA="0" compatLnSpc="1">
+            <a:prstTxWarp prst="textNoShape">
+              <a:avLst/>
+            </a:prstTxWarp>
+            <a:spAutoFit/>
+          </a:bodyPr>
+          <a:lstStyle/>
+          <a:p>
+            <a:pPr marL="285750" indent="-285750">
+              <a:buFont typeface="Arial" panose="020B0604020202020204" pitchFamily="34" charset="0"/>
+              <a:buChar char="•"/>
+            </a:pPr>
+            <a:r>
+              <a:rPr lang="el-GR" dirty="0">
+                <a:cs typeface="Calibri"/>
+              </a:rPr>
+              <a:t>Μελετήθηκαν παρόμοια μοντέλα εγγραφής μαθητών σε τάξεις σχολείων και ιδιαίτερα το βασικό </a:t>
+            </a:r>
+            <a:r>
+              <a:rPr lang="en-US" dirty="0">
+                <a:cs typeface="Calibri"/>
+              </a:rPr>
+              <a:t>project </a:t>
+            </a:r>
+            <a:r>
+              <a:rPr lang="el-GR" dirty="0">
+                <a:cs typeface="Calibri"/>
+              </a:rPr>
+              <a:t>επιρροής του Υπουργείου Παιδείας και σχεδιάστηκε μια εύχρηστη και φιλική πλατφόρμα για εγγραφή των μαθητών της Γ’ τάξης του Γυμνασίου στην Α’ τάξη του Λυκείου</a:t>
+            </a:r>
+            <a:r>
+              <a:rPr lang="en-US" dirty="0">
+                <a:cs typeface="Calibri"/>
+              </a:rPr>
+              <a:t>.</a:t>
+            </a:r>
+            <a:endParaRPr lang="el-GR" dirty="0">
+              <a:cs typeface="Calibri"/>
+            </a:endParaRPr>
+          </a:p>
+          <a:p>
+            <a:pPr marL="285750" indent="-285750">
+              <a:buFont typeface="Arial" panose="020B0604020202020204" pitchFamily="34" charset="0"/>
+              <a:buChar char="•"/>
+            </a:pPr>
+            <a:r>
+              <a:rPr lang="el-GR" dirty="0">
+                <a:cs typeface="Calibri"/>
+              </a:rPr>
+              <a:t>Μελετήθηκαν περαιτέρω τεχνολογίες για την διαχείριση της γνώσης που έχουμε διαθέσιμη (π.χ. πληροφορίες των σχολείων) και ιδανικοί τρόποι αποθήκευσης και ανάκτησης της υπάρχουσας αλλά και νέας γνώσης</a:t>
+            </a:r>
+            <a:r>
+              <a:rPr lang="en-US" dirty="0">
+                <a:cs typeface="Calibri"/>
+              </a:rPr>
+              <a:t>.</a:t>
+            </a:r>
+            <a:endParaRPr lang="el-GR" dirty="0">
+              <a:cs typeface="Calibri"/>
+            </a:endParaRPr>
+          </a:p>
+          <a:p>
+            <a:pPr marL="285750" indent="-285750">
+              <a:buFont typeface="Arial" panose="020B0604020202020204" pitchFamily="34" charset="0"/>
+              <a:buChar char="•"/>
+            </a:pPr>
+            <a:r>
+              <a:rPr lang="el-GR" dirty="0">
+                <a:cs typeface="Calibri"/>
+              </a:rPr>
+              <a:t>Ερευνήθηκαν οι ανάγκες σε υπολογιστική δύναμη για την διαχείριση της γνώσης μας, και καταλήξαμε στο ότι για πολλαπλούς και χιλιάδες χρήστες υπάρχει ανάγκη για μεγάλη διαθέσιμη υπολογιστική δύναμη στα πλαίσια μιας εφαρμογής που καλύπτει τις ανάγκες ενός πληθυσμού μιας χώρας.</a:t>
+            </a:r>
+          </a:p>
+          <a:p>
+            <a:pPr marL="285750" indent="-285750">
+              <a:buFont typeface="Arial" panose="020B0604020202020204" pitchFamily="34" charset="0"/>
+              <a:buChar char="•"/>
+            </a:pPr>
+            <a:r>
+              <a:rPr lang="el-GR" dirty="0">
+                <a:cs typeface="Calibri"/>
+              </a:rPr>
+              <a:t>Η διαδικασία της εγγραφής γίνεται πολύ άμεσα και εύκολα, καθώς ο στόχος της πλατφόρμας είναι να μην μπορεί να «χαθεί» ο χρήστης.</a:t>
+            </a:r>
+          </a:p>
+          <a:p>
+            <a:pPr marL="285750" indent="-285750">
+              <a:buFont typeface="Arial" panose="020B0604020202020204" pitchFamily="34" charset="0"/>
+              <a:buChar char="•"/>
+            </a:pPr>
+            <a:endParaRPr lang="el-GR" dirty="0">
+              <a:cs typeface="Calibri"/>
+            </a:endParaRPr>
+          </a:p>
+          <a:p>
+            <a:endParaRPr lang="el-GR" dirty="0">
+              <a:cs typeface="Calibri"/>
+            </a:endParaRPr>
+          </a:p>
+          <a:p>
+            <a:pPr marL="285750" indent="-285750">
+              <a:buFont typeface="Arial" panose="020B0604020202020204" pitchFamily="34" charset="0"/>
+              <a:buChar char="•"/>
+            </a:pPr>
+            <a:endParaRPr lang="el-GR" dirty="0">
+              <a:cs typeface="Calibri"/>
+            </a:endParaRPr>
+          </a:p>
+          <a:p>
+            <a:pPr marL="285750" indent="-285750">
+              <a:buFont typeface="Arial" panose="020B0604020202020204" pitchFamily="34" charset="0"/>
+              <a:buChar char="•"/>
+            </a:pPr>
+            <a:endParaRPr lang="el-GR" dirty="0">
+              <a:cs typeface="Calibri"/>
+            </a:endParaRPr>
+          </a:p>
+          <a:p>
+            <a:pPr marL="285750" indent="-285750">
+              <a:buFont typeface="Arial" panose="020B0604020202020204" pitchFamily="34" charset="0"/>
+              <a:buChar char="•"/>
+            </a:pPr>
+            <a:endParaRPr lang="el-GR" dirty="0">
+              <a:cs typeface="Calibri"/>
+            </a:endParaRPr>
+          </a:p>
+          <a:p>
+            <a:endParaRPr lang="el-GR" dirty="0">
+              <a:cs typeface="Calibri"/>
+            </a:endParaRPr>
+          </a:p>
+          <a:p>
+            <a:endParaRPr lang="el-GR" dirty="0">
+              <a:cs typeface="Calibri"/>
+            </a:endParaRPr>
+          </a:p>
+        </p:txBody>
+      </p:sp>
+    </p:spTree>
+    <p:extLst>
+      <p:ext uri="{BB962C8B-B14F-4D97-AF65-F5344CB8AC3E}">
+        <p14:creationId xmlns:p14="http://schemas.microsoft.com/office/powerpoint/2010/main" val="3995747475"/>
+      </p:ext>
+    </p:extLst>
+  </p:cSld>
+  <p:clrMapOvr>
+    <a:masterClrMapping/>
+  </p:clrMapOvr>
+</p:sld>
+</file>
+
+<file path=ppt/slides/slide16.xml><?xml version="1.0" encoding="utf-8"?>
+<p:sld xmlns:a="http://schemas.openxmlformats.org/drawingml/2006/main" xmlns:r="http://schemas.openxmlformats.org/officeDocument/2006/relationships" xmlns:p="http://schemas.openxmlformats.org/presentationml/2006/main">
+  <p:cSld>
+    <p:spTree>
+      <p:nvGrpSpPr>
+        <p:cNvPr id="1" name=""/>
+        <p:cNvGrpSpPr/>
+        <p:nvPr/>
+      </p:nvGrpSpPr>
+      <p:grpSpPr>
+        <a:xfrm>
+          <a:off x="0" y="0"/>
+          <a:ext cx="0" cy="0"/>
+          <a:chOff x="0" y="0"/>
+          <a:chExt cx="0" cy="0"/>
+        </a:xfrm>
+      </p:grpSpPr>
+      <p:sp>
+        <p:nvSpPr>
+          <p:cNvPr id="2" name="TextBox 1">
+            <a:extLst>
+              <a:ext uri="{FF2B5EF4-FFF2-40B4-BE49-F238E27FC236}">
+                <a16:creationId xmlns:a16="http://schemas.microsoft.com/office/drawing/2014/main" id="{4FA25044-CEA0-48CB-9D3C-F9C6E06135B8}"/>
+              </a:ext>
+            </a:extLst>
+          </p:cNvPr>
+          <p:cNvSpPr txBox="1"/>
+          <p:nvPr/>
+        </p:nvSpPr>
+        <p:spPr>
+          <a:xfrm>
+            <a:off x="1030941" y="107576"/>
+            <a:ext cx="10354235" cy="584775"/>
+          </a:xfrm>
+          <a:prstGeom prst="rect">
+            <a:avLst/>
+          </a:prstGeom>
+          <a:noFill/>
+        </p:spPr>
+        <p:txBody>
+          <a:bodyPr rot="0" spcFirstLastPara="0" vertOverflow="overflow" horzOverflow="overflow" vert="horz" wrap="square" lIns="91440" tIns="45720" rIns="91440" bIns="45720" numCol="1" spcCol="0" rtlCol="0" fromWordArt="0" anchor="t" anchorCtr="0" forceAA="0" compatLnSpc="1">
+            <a:prstTxWarp prst="textNoShape">
+              <a:avLst/>
+            </a:prstTxWarp>
+            <a:spAutoFit/>
+          </a:bodyPr>
+          <a:lstStyle/>
+          <a:p>
+            <a:r>
+              <a:rPr lang="el-GR" sz="3200" dirty="0">
+                <a:cs typeface="Calibri"/>
+              </a:rPr>
+              <a:t>Συμπεράσματα</a:t>
+            </a:r>
+          </a:p>
+        </p:txBody>
+      </p:sp>
+      <p:sp>
+        <p:nvSpPr>
+          <p:cNvPr id="3" name="TextBox 2">
+            <a:extLst>
+              <a:ext uri="{FF2B5EF4-FFF2-40B4-BE49-F238E27FC236}">
+                <a16:creationId xmlns:a16="http://schemas.microsoft.com/office/drawing/2014/main" id="{734C1442-5BAF-4D1E-B532-56C29A400EA8}"/>
+              </a:ext>
+            </a:extLst>
+          </p:cNvPr>
+          <p:cNvSpPr txBox="1"/>
+          <p:nvPr/>
+        </p:nvSpPr>
+        <p:spPr>
+          <a:xfrm>
+            <a:off x="1030941" y="1305341"/>
+            <a:ext cx="10416988" cy="4247317"/>
+          </a:xfrm>
+          <a:prstGeom prst="rect">
+            <a:avLst/>
+          </a:prstGeom>
+          <a:noFill/>
+        </p:spPr>
+        <p:txBody>
+          <a:bodyPr rot="0" spcFirstLastPara="0" vertOverflow="overflow" horzOverflow="overflow" vert="horz" wrap="square" lIns="91440" tIns="45720" rIns="91440" bIns="45720" numCol="1" spcCol="0" rtlCol="0" fromWordArt="0" anchor="t" anchorCtr="0" forceAA="0" compatLnSpc="1">
+            <a:prstTxWarp prst="textNoShape">
+              <a:avLst/>
+            </a:prstTxWarp>
+            <a:spAutoFit/>
+          </a:bodyPr>
+          <a:lstStyle/>
+          <a:p>
+            <a:r>
+              <a:rPr lang="el-GR" dirty="0">
+                <a:cs typeface="Calibri"/>
+              </a:rPr>
+              <a:t>Παρατηρήθηκαν οι παρακάτω πιθανές βελτιώσεις που θα μπορούσαν να βελτιώσουν το σύστημα μας:</a:t>
+            </a:r>
+          </a:p>
+          <a:p>
+            <a:endParaRPr lang="el-GR" dirty="0">
+              <a:cs typeface="Calibri"/>
+            </a:endParaRPr>
+          </a:p>
+          <a:p>
+            <a:pPr marL="285750" indent="-285750">
+              <a:buFont typeface="Arial" panose="020B0604020202020204" pitchFamily="34" charset="0"/>
+              <a:buChar char="•"/>
+            </a:pPr>
+            <a:r>
+              <a:rPr lang="el-GR" dirty="0">
+                <a:cs typeface="Calibri"/>
+              </a:rPr>
+              <a:t>Διαθέσιμη βοήθεια για την χρήση της πλατφόρμας.</a:t>
+            </a:r>
+          </a:p>
+          <a:p>
+            <a:pPr marL="285750" indent="-285750">
+              <a:buFont typeface="Arial" panose="020B0604020202020204" pitchFamily="34" charset="0"/>
+              <a:buChar char="•"/>
+            </a:pPr>
+            <a:r>
+              <a:rPr lang="el-GR" dirty="0">
+                <a:cs typeface="Calibri"/>
+              </a:rPr>
+              <a:t>Δυνατότητα επικοινωνίας με τους διαχειριστές της πλατφόρμας.</a:t>
+            </a:r>
+          </a:p>
+          <a:p>
+            <a:pPr marL="285750" indent="-285750">
+              <a:buFont typeface="Arial" panose="020B0604020202020204" pitchFamily="34" charset="0"/>
+              <a:buChar char="•"/>
+            </a:pPr>
+            <a:r>
+              <a:rPr lang="el-GR" dirty="0">
+                <a:cs typeface="Calibri"/>
+              </a:rPr>
+              <a:t>Διαθεσιμότητα και για παραπάνω τύπους σχολείων όπως:</a:t>
+            </a:r>
+          </a:p>
+          <a:p>
+            <a:pPr marL="742950" lvl="1" indent="-285750">
+              <a:buFont typeface="Courier New" panose="02070309020205020404" pitchFamily="49" charset="0"/>
+              <a:buChar char="o"/>
+            </a:pPr>
+            <a:r>
+              <a:rPr lang="el-GR" dirty="0">
+                <a:cs typeface="Calibri"/>
+              </a:rPr>
+              <a:t>Εσπερινά Λύκεια</a:t>
+            </a:r>
+          </a:p>
+          <a:p>
+            <a:pPr marL="742950" lvl="1" indent="-285750">
+              <a:buFont typeface="Courier New" panose="02070309020205020404" pitchFamily="49" charset="0"/>
+              <a:buChar char="o"/>
+            </a:pPr>
+            <a:r>
+              <a:rPr lang="el-GR" dirty="0">
+                <a:cs typeface="Calibri"/>
+              </a:rPr>
+              <a:t>Σχολεία Δεύτερης Ευκαιρίας</a:t>
+            </a:r>
+          </a:p>
+          <a:p>
+            <a:pPr marL="742950" lvl="1" indent="-285750">
+              <a:buFont typeface="Courier New" panose="02070309020205020404" pitchFamily="49" charset="0"/>
+              <a:buChar char="o"/>
+            </a:pPr>
+            <a:r>
+              <a:rPr lang="el-GR" dirty="0">
+                <a:cs typeface="Calibri"/>
+              </a:rPr>
+              <a:t>Περισσότερα ειδικά σχολεία (όπως Πειραματικά Λύκεια)</a:t>
+            </a:r>
+          </a:p>
+          <a:p>
+            <a:pPr marL="285750" indent="-285750">
+              <a:buFont typeface="Arial" panose="020B0604020202020204" pitchFamily="34" charset="0"/>
+              <a:buChar char="•"/>
+            </a:pPr>
+            <a:endParaRPr lang="el-GR" dirty="0">
+              <a:cs typeface="Calibri"/>
+            </a:endParaRPr>
+          </a:p>
+          <a:p>
+            <a:pPr marL="285750" indent="-285750">
+              <a:buFont typeface="Arial" panose="020B0604020202020204" pitchFamily="34" charset="0"/>
+              <a:buChar char="•"/>
+            </a:pPr>
+            <a:r>
+              <a:rPr lang="el-GR" dirty="0">
+                <a:cs typeface="Calibri"/>
+              </a:rPr>
+              <a:t>Βελτιώσεις στο </a:t>
+            </a:r>
+            <a:r>
+              <a:rPr lang="en-US" dirty="0">
+                <a:cs typeface="Calibri"/>
+              </a:rPr>
+              <a:t>UI </a:t>
+            </a:r>
+            <a:r>
+              <a:rPr lang="el-GR" dirty="0">
+                <a:cs typeface="Calibri"/>
+              </a:rPr>
+              <a:t>της πλατφόρμας για να είναι ακόμα πιο εύχρηστο.</a:t>
+            </a:r>
+          </a:p>
+          <a:p>
+            <a:pPr marL="285750" indent="-285750">
+              <a:buFont typeface="Arial" panose="020B0604020202020204" pitchFamily="34" charset="0"/>
+              <a:buChar char="•"/>
+            </a:pPr>
+            <a:r>
+              <a:rPr lang="el-GR" dirty="0">
+                <a:cs typeface="Calibri"/>
+              </a:rPr>
+              <a:t>Αλλαγή της δωρεάν </a:t>
+            </a:r>
+            <a:r>
+              <a:rPr lang="en-US" dirty="0">
+                <a:cs typeface="Calibri"/>
+              </a:rPr>
+              <a:t>cloud </a:t>
+            </a:r>
+            <a:r>
+              <a:rPr lang="el-GR" dirty="0">
+                <a:cs typeface="Calibri"/>
+              </a:rPr>
+              <a:t>υπηρεσίας του </a:t>
+            </a:r>
+            <a:r>
+              <a:rPr lang="en-US" dirty="0">
+                <a:cs typeface="Calibri"/>
+              </a:rPr>
+              <a:t>Heroku </a:t>
+            </a:r>
+            <a:r>
+              <a:rPr lang="el-GR" dirty="0">
+                <a:cs typeface="Calibri"/>
+              </a:rPr>
+              <a:t>σε υπηρεσία επί πληρωμή ή και ακόμα στο </a:t>
+            </a:r>
+            <a:r>
+              <a:rPr lang="en-US" dirty="0">
+                <a:cs typeface="Calibri"/>
+              </a:rPr>
+              <a:t>AWS (Amazon Web Services)</a:t>
+            </a:r>
+            <a:r>
+              <a:rPr lang="el-GR" dirty="0">
+                <a:cs typeface="Calibri"/>
+              </a:rPr>
+              <a:t> </a:t>
+            </a:r>
+          </a:p>
+          <a:p>
+            <a:pPr marL="285750" indent="-285750">
+              <a:buFont typeface="Arial" panose="020B0604020202020204" pitchFamily="34" charset="0"/>
+              <a:buChar char="•"/>
+            </a:pPr>
+            <a:endParaRPr lang="el-GR" dirty="0">
+              <a:cs typeface="Calibri"/>
+            </a:endParaRPr>
+          </a:p>
+          <a:p>
+            <a:endParaRPr lang="el-GR" dirty="0">
+              <a:cs typeface="Calibri"/>
+            </a:endParaRPr>
+          </a:p>
+          <a:p>
+            <a:endParaRPr lang="el-GR" dirty="0">
+              <a:cs typeface="Calibri"/>
+            </a:endParaRPr>
+          </a:p>
+        </p:txBody>
+      </p:sp>
+    </p:spTree>
+    <p:extLst>
+      <p:ext uri="{BB962C8B-B14F-4D97-AF65-F5344CB8AC3E}">
+        <p14:creationId xmlns:p14="http://schemas.microsoft.com/office/powerpoint/2010/main" val="1935048893"/>
+      </p:ext>
+    </p:extLst>
+  </p:cSld>
+  <p:clrMapOvr>
+    <a:masterClrMapping/>
+  </p:clrMapOvr>
+</p:sld>
+</file>
+
+<file path=ppt/slides/slide17.xml><?xml version="1.0" encoding="utf-8"?>
+<p:sld xmlns:a="http://schemas.openxmlformats.org/drawingml/2006/main" xmlns:r="http://schemas.openxmlformats.org/officeDocument/2006/relationships" xmlns:p="http://schemas.openxmlformats.org/presentationml/2006/main">
+  <p:cSld>
+    <p:spTree>
+      <p:nvGrpSpPr>
+        <p:cNvPr id="1" name=""/>
+        <p:cNvGrpSpPr/>
+        <p:nvPr/>
+      </p:nvGrpSpPr>
+      <p:grpSpPr>
+        <a:xfrm>
+          <a:off x="0" y="0"/>
+          <a:ext cx="0" cy="0"/>
+          <a:chOff x="0" y="0"/>
+          <a:chExt cx="0" cy="0"/>
+        </a:xfrm>
+      </p:grpSpPr>
+      <p:sp>
+        <p:nvSpPr>
+          <p:cNvPr id="2" name="TextBox 1">
+            <a:extLst>
+              <a:ext uri="{FF2B5EF4-FFF2-40B4-BE49-F238E27FC236}">
+                <a16:creationId xmlns:a16="http://schemas.microsoft.com/office/drawing/2014/main" id="{4FA25044-CEA0-48CB-9D3C-F9C6E06135B8}"/>
+              </a:ext>
+            </a:extLst>
+          </p:cNvPr>
+          <p:cNvSpPr txBox="1"/>
+          <p:nvPr/>
+        </p:nvSpPr>
+        <p:spPr>
+          <a:xfrm>
+            <a:off x="4554910" y="2709887"/>
+            <a:ext cx="2701568" cy="584775"/>
+          </a:xfrm>
+          <a:prstGeom prst="rect">
+            <a:avLst/>
+          </a:prstGeom>
+          <a:noFill/>
+        </p:spPr>
+        <p:txBody>
+          <a:bodyPr rot="0" spcFirstLastPara="0" vertOverflow="overflow" horzOverflow="overflow" vert="horz" wrap="square" lIns="91440" tIns="45720" rIns="91440" bIns="45720" numCol="1" spcCol="0" rtlCol="0" fromWordArt="0" anchor="t" anchorCtr="0" forceAA="0" compatLnSpc="1">
+            <a:prstTxWarp prst="textNoShape">
+              <a:avLst/>
+            </a:prstTxWarp>
+            <a:spAutoFit/>
+          </a:bodyPr>
+          <a:lstStyle/>
+          <a:p>
+            <a:r>
+              <a:rPr lang="el-GR" sz="3200" dirty="0">
+                <a:cs typeface="Calibri"/>
+              </a:rPr>
+              <a:t>Ευχαριστούμε</a:t>
+            </a:r>
+          </a:p>
+        </p:txBody>
+      </p:sp>
+    </p:spTree>
+    <p:extLst>
+      <p:ext uri="{BB962C8B-B14F-4D97-AF65-F5344CB8AC3E}">
+        <p14:creationId xmlns:p14="http://schemas.microsoft.com/office/powerpoint/2010/main" val="2824191307"/>
+      </p:ext>
+    </p:extLst>
+  </p:cSld>
+  <p:clrMapOvr>
+    <a:masterClrMapping/>
+  </p:clrMapOvr>
+</p:sld>
+</file>
+
 <file path=ppt/slides/slide2.xml><?xml version="1.0" encoding="utf-8"?>
 <p:sld xmlns:a="http://schemas.openxmlformats.org/drawingml/2006/main" xmlns:r="http://schemas.openxmlformats.org/officeDocument/2006/relationships" xmlns:p="http://schemas.openxmlformats.org/presentationml/2006/main">
   <p:cSld>
